--- a/1. Planning_Organization.pptx
+++ b/1. Planning_Organization.pptx
@@ -213,7 +213,7 @@
           <a:p>
             <a:fld id="{1B6E2612-5213-4B6B-99A8-BAC5DC9C4481}" type="datetimeFigureOut">
               <a:rPr lang="en-US" smtClean="0"/>
-              <a:t>11/10/2020</a:t>
+              <a:t>11/20/2020</a:t>
             </a:fld>
             <a:endParaRPr lang="en-US"/>
           </a:p>
@@ -2861,7 +2861,7 @@
           <a:p>
             <a:fld id="{4DDB5538-DA78-4C2C-BF6B-9485BBAF1D80}" type="datetimeFigureOut">
               <a:rPr lang="en-US" smtClean="0"/>
-              <a:t>11/10/2020</a:t>
+              <a:t>11/20/2020</a:t>
             </a:fld>
             <a:endParaRPr lang="en-US"/>
           </a:p>
@@ -3150,7 +3150,7 @@
           <a:p>
             <a:fld id="{4DDB5538-DA78-4C2C-BF6B-9485BBAF1D80}" type="datetimeFigureOut">
               <a:rPr lang="en-US" smtClean="0"/>
-              <a:t>11/10/2020</a:t>
+              <a:t>11/20/2020</a:t>
             </a:fld>
             <a:endParaRPr lang="en-US"/>
           </a:p>
@@ -3439,7 +3439,7 @@
           <a:p>
             <a:fld id="{4DDB5538-DA78-4C2C-BF6B-9485BBAF1D80}" type="datetimeFigureOut">
               <a:rPr lang="en-US" smtClean="0"/>
-              <a:t>11/10/2020</a:t>
+              <a:t>11/20/2020</a:t>
             </a:fld>
             <a:endParaRPr lang="en-US"/>
           </a:p>
@@ -3728,7 +3728,7 @@
           <a:p>
             <a:fld id="{4DDB5538-DA78-4C2C-BF6B-9485BBAF1D80}" type="datetimeFigureOut">
               <a:rPr lang="en-US" smtClean="0"/>
-              <a:t>11/10/2020</a:t>
+              <a:t>11/20/2020</a:t>
             </a:fld>
             <a:endParaRPr lang="en-US"/>
           </a:p>
@@ -3965,7 +3965,7 @@
           <a:p>
             <a:fld id="{4DDB5538-DA78-4C2C-BF6B-9485BBAF1D80}" type="datetimeFigureOut">
               <a:rPr lang="en-US" smtClean="0"/>
-              <a:t>11/10/2020</a:t>
+              <a:t>11/20/2020</a:t>
             </a:fld>
             <a:endParaRPr lang="en-US"/>
           </a:p>
@@ -4422,7 +4422,7 @@
           <a:p>
             <a:fld id="{4DDB5538-DA78-4C2C-BF6B-9485BBAF1D80}" type="datetimeFigureOut">
               <a:rPr lang="en-US" smtClean="0"/>
-              <a:t>11/10/2020</a:t>
+              <a:t>11/20/2020</a:t>
             </a:fld>
             <a:endParaRPr lang="en-US"/>
           </a:p>
@@ -4613,7 +4613,7 @@
           <a:p>
             <a:fld id="{4DDB5538-DA78-4C2C-BF6B-9485BBAF1D80}" type="datetimeFigureOut">
               <a:rPr lang="en-US" smtClean="0"/>
-              <a:t>11/10/2020</a:t>
+              <a:t>11/20/2020</a:t>
             </a:fld>
             <a:endParaRPr lang="en-US"/>
           </a:p>
@@ -6986,7 +6986,7 @@
           <a:p>
             <a:fld id="{4DDB5538-DA78-4C2C-BF6B-9485BBAF1D80}" type="datetimeFigureOut">
               <a:rPr lang="en-US" smtClean="0"/>
-              <a:t>11/10/2020</a:t>
+              <a:t>11/20/2020</a:t>
             </a:fld>
             <a:endParaRPr lang="en-US"/>
           </a:p>
@@ -7236,7 +7236,7 @@
           <a:p>
             <a:fld id="{4DDB5538-DA78-4C2C-BF6B-9485BBAF1D80}" type="datetimeFigureOut">
               <a:rPr lang="en-US" smtClean="0"/>
-              <a:t>11/10/2020</a:t>
+              <a:t>11/20/2020</a:t>
             </a:fld>
             <a:endParaRPr lang="en-US"/>
           </a:p>
@@ -7622,7 +7622,7 @@
           <a:p>
             <a:fld id="{4DDB5538-DA78-4C2C-BF6B-9485BBAF1D80}" type="datetimeFigureOut">
               <a:rPr lang="en-US" smtClean="0"/>
-              <a:t>11/10/2020</a:t>
+              <a:t>11/20/2020</a:t>
             </a:fld>
             <a:endParaRPr lang="en-US"/>
           </a:p>
@@ -7882,7 +7882,7 @@
           <a:p>
             <a:fld id="{4DDB5538-DA78-4C2C-BF6B-9485BBAF1D80}" type="datetimeFigureOut">
               <a:rPr lang="en-US" smtClean="0"/>
-              <a:t>11/10/2020</a:t>
+              <a:t>11/20/2020</a:t>
             </a:fld>
             <a:endParaRPr lang="en-US"/>
           </a:p>
@@ -10060,8 +10060,8 @@
           </a:p>
         </p:txBody>
       </p:sp>
-      <mc:AlternateContent xmlns:mc="http://schemas.openxmlformats.org/markup-compatibility/2006">
-        <mc:Choice xmlns:a14="http://schemas.microsoft.com/office/drawing/2010/main" Requires="a14">
+      <mc:AlternateContent xmlns:mc="http://schemas.openxmlformats.org/markup-compatibility/2006" xmlns:a14="http://schemas.microsoft.com/office/drawing/2010/main">
+        <mc:Choice Requires="a14">
           <p:sp>
             <p:nvSpPr>
               <p:cNvPr id="3" name="Content Placeholder 2">
@@ -10347,7 +10347,7 @@
                     <m:sSub>
                       <m:sSubPr>
                         <m:ctrlPr>
-                          <a:rPr lang="en-US" sz="2400" b="0" i="0" smtClean="0">
+                          <a:rPr lang="en-US" sz="2400" b="0" i="1" smtClean="0">
                             <a:latin typeface="Cambria Math" panose="02040503050406030204" pitchFamily="18" charset="0"/>
                           </a:rPr>
                         </m:ctrlPr>
@@ -10527,7 +10527,7 @@
             </p:txBody>
           </p:sp>
         </mc:Choice>
-        <mc:Fallback>
+        <mc:Fallback xmlns="">
           <p:sp>
             <p:nvSpPr>
               <p:cNvPr id="3" name="Content Placeholder 2">
@@ -10776,8 +10776,8 @@
           </a:p>
         </p:txBody>
       </p:sp>
-      <mc:AlternateContent xmlns:mc="http://schemas.openxmlformats.org/markup-compatibility/2006">
-        <mc:Choice xmlns:a14="http://schemas.microsoft.com/office/drawing/2010/main" Requires="a14">
+      <mc:AlternateContent xmlns:mc="http://schemas.openxmlformats.org/markup-compatibility/2006" xmlns:a14="http://schemas.microsoft.com/office/drawing/2010/main">
+        <mc:Choice Requires="a14">
           <p:sp>
             <p:nvSpPr>
               <p:cNvPr id="9" name="TextBox 8">
@@ -10901,7 +10901,7 @@
             </p:txBody>
           </p:sp>
         </mc:Choice>
-        <mc:Fallback>
+        <mc:Fallback xmlns="">
           <p:sp>
             <p:nvSpPr>
               <p:cNvPr id="9" name="TextBox 8">
@@ -13354,8 +13354,8 @@
         </p:nvSpPr>
         <p:spPr>
           <a:xfrm>
-            <a:off x="742383" y="3684905"/>
-            <a:ext cx="11209369" cy="3476849"/>
+            <a:off x="742383" y="3497338"/>
+            <a:ext cx="11209369" cy="3082832"/>
           </a:xfrm>
         </p:spPr>
         <p:txBody>
@@ -13502,8 +13502,6 @@
               <a:rPr lang="en-US" sz="2000" dirty="0"/>
               <a:t>Traffic jams</a:t>
             </a:r>
-          </a:p>
-          <a:p>
             <a:endParaRPr lang="en-US" dirty="0"/>
           </a:p>
         </p:txBody>
@@ -15453,7 +15451,7 @@
                 <a:effectLst/>
                 <a:latin typeface="Arial" panose="020B0604020202020204" pitchFamily="34" charset="0"/>
               </a:rPr>
-              <a:t>90% of teaching and a few small tasks like setting up the environment, studying datasets, and learning how to use libraries. Lectures happening once a week and individual meetings on-demand during the week.</a:t>
+              <a:t>90% of teaching and a few small tasks like setting up the environment, studying datasets, and learning how to use libraries. Lectures happening twice a week and individual meetings on-demand during the week.</a:t>
             </a:r>
           </a:p>
           <a:p>

--- a/1. Planning_Organization.pptx
+++ b/1. Planning_Organization.pptx
@@ -213,7 +213,7 @@
           <a:p>
             <a:fld id="{1B6E2612-5213-4B6B-99A8-BAC5DC9C4481}" type="datetimeFigureOut">
               <a:rPr lang="en-US" smtClean="0"/>
-              <a:t>11/20/2020</a:t>
+              <a:t>12/1/2020</a:t>
             </a:fld>
             <a:endParaRPr lang="en-US"/>
           </a:p>
@@ -2861,7 +2861,7 @@
           <a:p>
             <a:fld id="{4DDB5538-DA78-4C2C-BF6B-9485BBAF1D80}" type="datetimeFigureOut">
               <a:rPr lang="en-US" smtClean="0"/>
-              <a:t>11/20/2020</a:t>
+              <a:t>12/1/2020</a:t>
             </a:fld>
             <a:endParaRPr lang="en-US"/>
           </a:p>
@@ -3150,7 +3150,7 @@
           <a:p>
             <a:fld id="{4DDB5538-DA78-4C2C-BF6B-9485BBAF1D80}" type="datetimeFigureOut">
               <a:rPr lang="en-US" smtClean="0"/>
-              <a:t>11/20/2020</a:t>
+              <a:t>12/1/2020</a:t>
             </a:fld>
             <a:endParaRPr lang="en-US"/>
           </a:p>
@@ -3439,7 +3439,7 @@
           <a:p>
             <a:fld id="{4DDB5538-DA78-4C2C-BF6B-9485BBAF1D80}" type="datetimeFigureOut">
               <a:rPr lang="en-US" smtClean="0"/>
-              <a:t>11/20/2020</a:t>
+              <a:t>12/1/2020</a:t>
             </a:fld>
             <a:endParaRPr lang="en-US"/>
           </a:p>
@@ -3728,7 +3728,7 @@
           <a:p>
             <a:fld id="{4DDB5538-DA78-4C2C-BF6B-9485BBAF1D80}" type="datetimeFigureOut">
               <a:rPr lang="en-US" smtClean="0"/>
-              <a:t>11/20/2020</a:t>
+              <a:t>12/1/2020</a:t>
             </a:fld>
             <a:endParaRPr lang="en-US"/>
           </a:p>
@@ -3965,7 +3965,7 @@
           <a:p>
             <a:fld id="{4DDB5538-DA78-4C2C-BF6B-9485BBAF1D80}" type="datetimeFigureOut">
               <a:rPr lang="en-US" smtClean="0"/>
-              <a:t>11/20/2020</a:t>
+              <a:t>12/1/2020</a:t>
             </a:fld>
             <a:endParaRPr lang="en-US"/>
           </a:p>
@@ -4422,7 +4422,7 @@
           <a:p>
             <a:fld id="{4DDB5538-DA78-4C2C-BF6B-9485BBAF1D80}" type="datetimeFigureOut">
               <a:rPr lang="en-US" smtClean="0"/>
-              <a:t>11/20/2020</a:t>
+              <a:t>12/1/2020</a:t>
             </a:fld>
             <a:endParaRPr lang="en-US"/>
           </a:p>
@@ -4613,7 +4613,7 @@
           <a:p>
             <a:fld id="{4DDB5538-DA78-4C2C-BF6B-9485BBAF1D80}" type="datetimeFigureOut">
               <a:rPr lang="en-US" smtClean="0"/>
-              <a:t>11/20/2020</a:t>
+              <a:t>12/1/2020</a:t>
             </a:fld>
             <a:endParaRPr lang="en-US"/>
           </a:p>
@@ -6986,7 +6986,7 @@
           <a:p>
             <a:fld id="{4DDB5538-DA78-4C2C-BF6B-9485BBAF1D80}" type="datetimeFigureOut">
               <a:rPr lang="en-US" smtClean="0"/>
-              <a:t>11/20/2020</a:t>
+              <a:t>12/1/2020</a:t>
             </a:fld>
             <a:endParaRPr lang="en-US"/>
           </a:p>
@@ -7236,7 +7236,7 @@
           <a:p>
             <a:fld id="{4DDB5538-DA78-4C2C-BF6B-9485BBAF1D80}" type="datetimeFigureOut">
               <a:rPr lang="en-US" smtClean="0"/>
-              <a:t>11/20/2020</a:t>
+              <a:t>12/1/2020</a:t>
             </a:fld>
             <a:endParaRPr lang="en-US"/>
           </a:p>
@@ -7622,7 +7622,7 @@
           <a:p>
             <a:fld id="{4DDB5538-DA78-4C2C-BF6B-9485BBAF1D80}" type="datetimeFigureOut">
               <a:rPr lang="en-US" smtClean="0"/>
-              <a:t>11/20/2020</a:t>
+              <a:t>12/1/2020</a:t>
             </a:fld>
             <a:endParaRPr lang="en-US"/>
           </a:p>
@@ -7882,7 +7882,7 @@
           <a:p>
             <a:fld id="{4DDB5538-DA78-4C2C-BF6B-9485BBAF1D80}" type="datetimeFigureOut">
               <a:rPr lang="en-US" smtClean="0"/>
-              <a:t>11/20/2020</a:t>
+              <a:t>12/1/2020</a:t>
             </a:fld>
             <a:endParaRPr lang="en-US"/>
           </a:p>
@@ -14557,7 +14557,7 @@
               <a:buAutoNum type="arabicPeriod"/>
             </a:pPr>
             <a:r>
-              <a:rPr lang="en-US" sz="1800" b="0" i="0" u="none" strike="noStrike" dirty="0">
+              <a:rPr lang="en-US" sz="1800" b="1" i="0" u="none" strike="noStrike" dirty="0">
                 <a:solidFill>
                   <a:srgbClr val="5A6065"/>
                 </a:solidFill>
@@ -14582,7 +14582,7 @@
               <a:buAutoNum type="arabicPeriod"/>
             </a:pPr>
             <a:r>
-              <a:rPr lang="en-US" sz="1800" b="0" i="0" u="none" strike="noStrike" dirty="0">
+              <a:rPr lang="en-US" sz="1800" b="1" i="0" u="none" strike="noStrike" dirty="0">
                 <a:solidFill>
                   <a:srgbClr val="5A6065"/>
                 </a:solidFill>
@@ -14607,7 +14607,7 @@
               <a:buAutoNum type="arabicPeriod"/>
             </a:pPr>
             <a:r>
-              <a:rPr lang="en-US" sz="1800" b="0" i="0" u="none" strike="noStrike" dirty="0">
+              <a:rPr lang="en-US" sz="1800" b="1" i="0" u="none" strike="noStrike" dirty="0">
                 <a:solidFill>
                   <a:srgbClr val="5A6065"/>
                 </a:solidFill>
@@ -14632,7 +14632,7 @@
               <a:buAutoNum type="arabicPeriod"/>
             </a:pPr>
             <a:r>
-              <a:rPr lang="en-US" sz="1800" b="0" i="0" u="none" strike="noStrike" dirty="0">
+              <a:rPr lang="en-US" sz="1800" b="1" i="0" u="none" strike="noStrike" dirty="0">
                 <a:solidFill>
                   <a:srgbClr val="5A6065"/>
                 </a:solidFill>
@@ -14657,7 +14657,7 @@
               <a:buAutoNum type="arabicPeriod"/>
             </a:pPr>
             <a:r>
-              <a:rPr lang="en-US" sz="1800" b="0" i="0" u="none" strike="noStrike" dirty="0">
+              <a:rPr lang="en-US" sz="1800" b="1" i="0" u="none" strike="noStrike" dirty="0">
                 <a:solidFill>
                   <a:srgbClr val="5A6065"/>
                 </a:solidFill>
@@ -14665,6 +14665,31 @@
                 <a:latin typeface="Arial" panose="020B0604020202020204" pitchFamily="34" charset="0"/>
               </a:rPr>
               <a:t>Graph Representation Learning</a:t>
+            </a:r>
+          </a:p>
+          <a:p>
+            <a:pPr marL="342900" indent="-342900" fontAlgn="base">
+              <a:lnSpc>
+                <a:spcPct val="150000"/>
+              </a:lnSpc>
+              <a:spcBef>
+                <a:spcPts val="0"/>
+              </a:spcBef>
+              <a:spcAft>
+                <a:spcPts val="0"/>
+              </a:spcAft>
+              <a:buFont typeface="+mj-lt"/>
+              <a:buAutoNum type="arabicPeriod"/>
+            </a:pPr>
+            <a:r>
+              <a:rPr lang="en-US" sz="1800" b="1" i="0" u="none" strike="noStrike" dirty="0">
+                <a:solidFill>
+                  <a:srgbClr val="5A6065"/>
+                </a:solidFill>
+                <a:effectLst/>
+                <a:latin typeface="Arial" panose="020B0604020202020204" pitchFamily="34" charset="0"/>
+              </a:rPr>
+              <a:t>Link Analysis - PageRank</a:t>
             </a:r>
           </a:p>
           <a:p>
@@ -14796,31 +14821,6 @@
                 <a:latin typeface="Arial" panose="020B0604020202020204" pitchFamily="34" charset="0"/>
               </a:rPr>
               <a:t>Deep Generative Models for Graphs</a:t>
-            </a:r>
-          </a:p>
-          <a:p>
-            <a:pPr marL="342900" indent="-342900" rtl="0" fontAlgn="base">
-              <a:lnSpc>
-                <a:spcPct val="150000"/>
-              </a:lnSpc>
-              <a:spcBef>
-                <a:spcPts val="0"/>
-              </a:spcBef>
-              <a:spcAft>
-                <a:spcPts val="0"/>
-              </a:spcAft>
-              <a:buFont typeface="+mj-lt"/>
-              <a:buAutoNum type="arabicPeriod"/>
-            </a:pPr>
-            <a:r>
-              <a:rPr lang="en-US" sz="1800" b="0" i="0" u="none" strike="noStrike" dirty="0">
-                <a:solidFill>
-                  <a:srgbClr val="5A6065"/>
-                </a:solidFill>
-                <a:effectLst/>
-                <a:latin typeface="Arial" panose="020B0604020202020204" pitchFamily="34" charset="0"/>
-              </a:rPr>
-              <a:t>Link Analysis - PageRank</a:t>
             </a:r>
           </a:p>
           <a:p>

--- a/1. Planning_Organization.pptx
+++ b/1. Planning_Organization.pptx
@@ -15898,7 +15898,7 @@
         <p:spPr>
           <a:xfrm>
             <a:off x="478369" y="1225486"/>
-            <a:ext cx="11474451" cy="5695405"/>
+            <a:ext cx="11474451" cy="6041654"/>
           </a:xfrm>
         </p:spPr>
         <p:txBody>
@@ -15995,26 +15995,38 @@
             </a:pPr>
             <a:r>
               <a:rPr lang="en-US" b="1" dirty="0"/>
-              <a:t>Tools</a:t>
-            </a:r>
-          </a:p>
-          <a:p>
+              <a:t>Tools (sorted by priority)</a:t>
+            </a:r>
+          </a:p>
+          <a:p>
+            <a:pPr marL="457200" indent="-457200">
+              <a:buFont typeface="+mj-lt"/>
+              <a:buAutoNum type="arabicPeriod"/>
+            </a:pPr>
+            <a:r>
+              <a:rPr lang="en-US" dirty="0" err="1"/>
+              <a:t>cuGraph</a:t>
+            </a:r>
             <a:r>
               <a:rPr lang="en-US" dirty="0"/>
-              <a:t>Snap for Python: </a:t>
+              <a:t>: </a:t>
             </a:r>
             <a:r>
               <a:rPr lang="en-US" dirty="0">
                 <a:hlinkClick r:id="rId5"/>
               </a:rPr>
-              <a:t>http://snap.stanford.edu/snappy/index.html</a:t>
+              <a:t>https://github.com/rapidsai/cugraph</a:t>
             </a:r>
             <a:r>
               <a:rPr lang="en-US" dirty="0"/>
-              <a:t> </a:t>
-            </a:r>
-          </a:p>
-          <a:p>
+              <a:t>  (Strongly recommend, fast)</a:t>
+            </a:r>
+          </a:p>
+          <a:p>
+            <a:pPr marL="457200" indent="-457200">
+              <a:buFont typeface="+mj-lt"/>
+              <a:buAutoNum type="arabicPeriod"/>
+            </a:pPr>
             <a:r>
               <a:rPr lang="en-US" dirty="0" err="1"/>
               <a:t>NetworkX</a:t>
@@ -16031,17 +16043,52 @@
             </a:r>
             <a:r>
               <a:rPr lang="en-US" dirty="0"/>
-              <a:t> </a:t>
-            </a:r>
-          </a:p>
-          <a:p>
-            <a:pPr fontAlgn="t">
+              <a:t> (great coverage of graph algorithms)</a:t>
+            </a:r>
+          </a:p>
+          <a:p>
+            <a:pPr marL="457200" indent="-457200" fontAlgn="t">
               <a:spcBef>
                 <a:spcPts val="0"/>
               </a:spcBef>
               <a:spcAft>
                 <a:spcPts val="800"/>
               </a:spcAft>
+              <a:buFont typeface="+mj-lt"/>
+              <a:buAutoNum type="arabicPeriod"/>
+            </a:pPr>
+            <a:r>
+              <a:rPr lang="en-US" sz="2000" dirty="0"/>
+              <a:t>Snap for Python: </a:t>
+            </a:r>
+            <a:r>
+              <a:rPr lang="en-US" sz="2000" dirty="0">
+                <a:hlinkClick r:id="rId7"/>
+              </a:rPr>
+              <a:t>http://snap.stanford.edu/snappy/index.html</a:t>
+            </a:r>
+            <a:r>
+              <a:rPr lang="en-US" sz="2000" dirty="0"/>
+              <a:t> </a:t>
+            </a:r>
+            <a:endParaRPr lang="en-US" sz="2000" dirty="0">
+              <a:solidFill>
+                <a:srgbClr val="5A6065"/>
+              </a:solidFill>
+              <a:effectLst/>
+              <a:latin typeface="Arial" panose="020B0604020202020204" pitchFamily="34" charset="0"/>
+            </a:endParaRPr>
+          </a:p>
+          <a:p>
+            <a:pPr marL="457200" indent="-457200" fontAlgn="t">
+              <a:spcBef>
+                <a:spcPts val="0"/>
+              </a:spcBef>
+              <a:spcAft>
+                <a:spcPts val="800"/>
+              </a:spcAft>
+              <a:buFont typeface="+mj-lt"/>
+              <a:buAutoNum type="arabicPeriod"/>
             </a:pPr>
             <a:r>
               <a:rPr lang="en-US" sz="2000" dirty="0" err="1">
@@ -16067,7 +16114,7 @@
               <a:rPr lang="en-US" sz="2000" dirty="0">
                 <a:effectLst/>
                 <a:latin typeface="Arial" panose="020B0604020202020204" pitchFamily="34" charset="0"/>
-                <a:hlinkClick r:id="rId7"/>
+                <a:hlinkClick r:id="rId8"/>
               </a:rPr>
               <a:t>https://pytorch-geometric.readthedocs.io/en/latest/</a:t>
             </a:r>
@@ -16077,13 +16124,15 @@
             </a:endParaRPr>
           </a:p>
           <a:p>
-            <a:pPr fontAlgn="t">
+            <a:pPr marL="457200" indent="-457200" fontAlgn="t">
               <a:spcBef>
                 <a:spcPts val="0"/>
               </a:spcBef>
               <a:spcAft>
                 <a:spcPts val="800"/>
               </a:spcAft>
+              <a:buFont typeface="+mj-lt"/>
+              <a:buAutoNum type="arabicPeriod"/>
             </a:pPr>
             <a:r>
               <a:rPr lang="en-US" sz="2000" dirty="0" err="1">
@@ -16109,7 +16158,7 @@
               <a:rPr lang="en-US" sz="2000" dirty="0">
                 <a:effectLst/>
                 <a:latin typeface="Arial" panose="020B0604020202020204" pitchFamily="34" charset="0"/>
-                <a:hlinkClick r:id="rId8"/>
+                <a:hlinkClick r:id="rId9"/>
               </a:rPr>
               <a:t>https://github.com/orgs/hpi-sam/projects/3</a:t>
             </a:r>
@@ -16117,26 +16166,6 @@
               <a:effectLst/>
               <a:latin typeface="Arial" panose="020B0604020202020204" pitchFamily="34" charset="0"/>
             </a:endParaRPr>
-          </a:p>
-          <a:p>
-            <a:pPr fontAlgn="t">
-              <a:spcBef>
-                <a:spcPts val="0"/>
-              </a:spcBef>
-              <a:spcAft>
-                <a:spcPts val="800"/>
-              </a:spcAft>
-            </a:pPr>
-            <a:r>
-              <a:rPr lang="en-US" sz="2000" dirty="0">
-                <a:solidFill>
-                  <a:srgbClr val="5A6065"/>
-                </a:solidFill>
-                <a:effectLst/>
-                <a:latin typeface="Arial" panose="020B0604020202020204" pitchFamily="34" charset="0"/>
-              </a:rPr>
-              <a:t>Slack group: graph-neural-networks.slack.com</a:t>
-            </a:r>
           </a:p>
           <a:p>
             <a:endParaRPr lang="en-US" dirty="0"/>
@@ -16252,14 +16281,14 @@
             <p:ph idx="1"/>
             <p:extLst>
               <p:ext uri="{D42A27DB-BD31-4B8C-83A1-F6EECF244321}">
-                <p14:modId xmlns:p14="http://schemas.microsoft.com/office/powerpoint/2010/main" val="2160833068"/>
+                <p14:modId xmlns:p14="http://schemas.microsoft.com/office/powerpoint/2010/main" val="3573589502"/>
               </p:ext>
             </p:extLst>
           </p:nvPr>
         </p:nvGraphicFramePr>
         <p:xfrm>
           <a:off x="263237" y="1022061"/>
-          <a:ext cx="11090561" cy="4053840"/>
+          <a:ext cx="11090561" cy="4663440"/>
         </p:xfrm>
         <a:graphic>
           <a:graphicData uri="http://schemas.openxmlformats.org/drawingml/2006/table">
@@ -16490,10 +16519,76 @@
                     <a:bodyPr/>
                     <a:lstStyle/>
                     <a:p>
+                      <a:pPr marL="0" marR="0" lvl="0" indent="0" algn="l" defTabSz="1219170" rtl="0" eaLnBrk="1" fontAlgn="auto" latinLnBrk="0" hangingPunct="1">
+                        <a:lnSpc>
+                          <a:spcPct val="100000"/>
+                        </a:lnSpc>
+                        <a:spcBef>
+                          <a:spcPts val="0"/>
+                        </a:spcBef>
+                        <a:spcAft>
+                          <a:spcPts val="0"/>
+                        </a:spcAft>
+                        <a:buClrTx/>
+                        <a:buSzTx/>
+                        <a:buFontTx/>
+                        <a:buNone/>
+                        <a:tabLst/>
+                        <a:defRPr/>
+                      </a:pPr>
+                      <a:r>
+                        <a:rPr lang="pt-BR" sz="2000" dirty="0" err="1"/>
+                        <a:t>Our</a:t>
+                      </a:r>
                       <a:r>
                         <a:rPr lang="pt-BR" sz="2000" dirty="0"/>
-                        <a:t>Slack</a:t>
+                        <a:t> Slack </a:t>
                       </a:r>
+                      <a:r>
+                        <a:rPr lang="pt-BR" sz="2000" dirty="0" err="1"/>
+                        <a:t>group</a:t>
+                      </a:r>
+                      <a:r>
+                        <a:rPr lang="en-US" sz="2000" dirty="0">
+                          <a:solidFill>
+                            <a:srgbClr val="5A6065"/>
+                          </a:solidFill>
+                          <a:effectLst/>
+                          <a:latin typeface="Arial" panose="020B0604020202020204" pitchFamily="34" charset="0"/>
+                        </a:rPr>
+                        <a:t>:</a:t>
+                      </a:r>
+                    </a:p>
+                    <a:p>
+                      <a:pPr marL="0" marR="0" lvl="0" indent="0" algn="l" defTabSz="1219170" rtl="0" eaLnBrk="1" fontAlgn="auto" latinLnBrk="0" hangingPunct="1">
+                        <a:lnSpc>
+                          <a:spcPct val="100000"/>
+                        </a:lnSpc>
+                        <a:spcBef>
+                          <a:spcPts val="0"/>
+                        </a:spcBef>
+                        <a:spcAft>
+                          <a:spcPts val="0"/>
+                        </a:spcAft>
+                        <a:buClrTx/>
+                        <a:buSzTx/>
+                        <a:buFontTx/>
+                        <a:buNone/>
+                        <a:tabLst/>
+                        <a:defRPr/>
+                      </a:pPr>
+                      <a:r>
+                        <a:rPr lang="en-US" sz="2000" b="1" dirty="0">
+                          <a:solidFill>
+                            <a:srgbClr val="5A6065"/>
+                          </a:solidFill>
+                          <a:effectLst/>
+                          <a:latin typeface="Arial" panose="020B0604020202020204" pitchFamily="34" charset="0"/>
+                        </a:rPr>
+                        <a:t>graph-neural-networks.slack.com</a:t>
+                      </a:r>
+                    </a:p>
+                    <a:p>
                       <a:endParaRPr lang="en-US" sz="2000" dirty="0"/>
                     </a:p>
                   </a:txBody>
@@ -16635,7 +16730,31 @@
                     <a:p>
                       <a:r>
                         <a:rPr lang="pt-BR" sz="2000" dirty="0"/>
-                        <a:t>Chris mobile number</a:t>
+                        <a:t>Chris mobile </a:t>
+                      </a:r>
+                      <a:r>
+                        <a:rPr lang="pt-BR" sz="2000" dirty="0" err="1"/>
+                        <a:t>number</a:t>
+                      </a:r>
+                      <a:r>
+                        <a:rPr lang="pt-BR" sz="2000" dirty="0"/>
+                        <a:t> (</a:t>
+                      </a:r>
+                      <a:r>
+                        <a:rPr lang="pt-BR" sz="2000" dirty="0" err="1"/>
+                        <a:t>check</a:t>
+                      </a:r>
+                      <a:r>
+                        <a:rPr lang="pt-BR" sz="2000" dirty="0"/>
+                        <a:t> </a:t>
+                      </a:r>
+                      <a:r>
+                        <a:rPr lang="pt-BR" sz="2000" dirty="0" err="1"/>
+                        <a:t>my</a:t>
+                      </a:r>
+                      <a:r>
+                        <a:rPr lang="pt-BR" sz="2000" dirty="0"/>
+                        <a:t> Slack profile)</a:t>
                       </a:r>
                     </a:p>
                   </a:txBody>

--- a/1. Planning_Organization.pptx
+++ b/1. Planning_Organization.pptx
@@ -213,7 +213,7 @@
           <a:p>
             <a:fld id="{1B6E2612-5213-4B6B-99A8-BAC5DC9C4481}" type="datetimeFigureOut">
               <a:rPr lang="en-US" smtClean="0"/>
-              <a:t>12/1/2020</a:t>
+              <a:t>12/9/2020</a:t>
             </a:fld>
             <a:endParaRPr lang="en-US"/>
           </a:p>
@@ -2861,7 +2861,7 @@
           <a:p>
             <a:fld id="{4DDB5538-DA78-4C2C-BF6B-9485BBAF1D80}" type="datetimeFigureOut">
               <a:rPr lang="en-US" smtClean="0"/>
-              <a:t>12/1/2020</a:t>
+              <a:t>12/9/2020</a:t>
             </a:fld>
             <a:endParaRPr lang="en-US"/>
           </a:p>
@@ -3150,7 +3150,7 @@
           <a:p>
             <a:fld id="{4DDB5538-DA78-4C2C-BF6B-9485BBAF1D80}" type="datetimeFigureOut">
               <a:rPr lang="en-US" smtClean="0"/>
-              <a:t>12/1/2020</a:t>
+              <a:t>12/9/2020</a:t>
             </a:fld>
             <a:endParaRPr lang="en-US"/>
           </a:p>
@@ -3439,7 +3439,7 @@
           <a:p>
             <a:fld id="{4DDB5538-DA78-4C2C-BF6B-9485BBAF1D80}" type="datetimeFigureOut">
               <a:rPr lang="en-US" smtClean="0"/>
-              <a:t>12/1/2020</a:t>
+              <a:t>12/9/2020</a:t>
             </a:fld>
             <a:endParaRPr lang="en-US"/>
           </a:p>
@@ -3728,7 +3728,7 @@
           <a:p>
             <a:fld id="{4DDB5538-DA78-4C2C-BF6B-9485BBAF1D80}" type="datetimeFigureOut">
               <a:rPr lang="en-US" smtClean="0"/>
-              <a:t>12/1/2020</a:t>
+              <a:t>12/9/2020</a:t>
             </a:fld>
             <a:endParaRPr lang="en-US"/>
           </a:p>
@@ -3965,7 +3965,7 @@
           <a:p>
             <a:fld id="{4DDB5538-DA78-4C2C-BF6B-9485BBAF1D80}" type="datetimeFigureOut">
               <a:rPr lang="en-US" smtClean="0"/>
-              <a:t>12/1/2020</a:t>
+              <a:t>12/9/2020</a:t>
             </a:fld>
             <a:endParaRPr lang="en-US"/>
           </a:p>
@@ -4422,7 +4422,7 @@
           <a:p>
             <a:fld id="{4DDB5538-DA78-4C2C-BF6B-9485BBAF1D80}" type="datetimeFigureOut">
               <a:rPr lang="en-US" smtClean="0"/>
-              <a:t>12/1/2020</a:t>
+              <a:t>12/9/2020</a:t>
             </a:fld>
             <a:endParaRPr lang="en-US"/>
           </a:p>
@@ -4613,7 +4613,7 @@
           <a:p>
             <a:fld id="{4DDB5538-DA78-4C2C-BF6B-9485BBAF1D80}" type="datetimeFigureOut">
               <a:rPr lang="en-US" smtClean="0"/>
-              <a:t>12/1/2020</a:t>
+              <a:t>12/9/2020</a:t>
             </a:fld>
             <a:endParaRPr lang="en-US"/>
           </a:p>
@@ -6986,7 +6986,7 @@
           <a:p>
             <a:fld id="{4DDB5538-DA78-4C2C-BF6B-9485BBAF1D80}" type="datetimeFigureOut">
               <a:rPr lang="en-US" smtClean="0"/>
-              <a:t>12/1/2020</a:t>
+              <a:t>12/9/2020</a:t>
             </a:fld>
             <a:endParaRPr lang="en-US"/>
           </a:p>
@@ -7236,7 +7236,7 @@
           <a:p>
             <a:fld id="{4DDB5538-DA78-4C2C-BF6B-9485BBAF1D80}" type="datetimeFigureOut">
               <a:rPr lang="en-US" smtClean="0"/>
-              <a:t>12/1/2020</a:t>
+              <a:t>12/9/2020</a:t>
             </a:fld>
             <a:endParaRPr lang="en-US"/>
           </a:p>
@@ -7622,7 +7622,7 @@
           <a:p>
             <a:fld id="{4DDB5538-DA78-4C2C-BF6B-9485BBAF1D80}" type="datetimeFigureOut">
               <a:rPr lang="en-US" smtClean="0"/>
-              <a:t>12/1/2020</a:t>
+              <a:t>12/9/2020</a:t>
             </a:fld>
             <a:endParaRPr lang="en-US"/>
           </a:p>
@@ -7882,7 +7882,7 @@
           <a:p>
             <a:fld id="{4DDB5538-DA78-4C2C-BF6B-9485BBAF1D80}" type="datetimeFigureOut">
               <a:rPr lang="en-US" smtClean="0"/>
-              <a:t>12/1/2020</a:t>
+              <a:t>12/9/2020</a:t>
             </a:fld>
             <a:endParaRPr lang="en-US"/>
           </a:p>
@@ -15775,7 +15775,15 @@
           <a:p>
             <a:r>
               <a:rPr lang="en-US" dirty="0"/>
-              <a:t>2- Related work (2 pages) containing summary and critique – </a:t>
+              <a:t>2- Related work (1 page, </a:t>
+            </a:r>
+            <a:r>
+              <a:rPr lang="en-US"/>
+              <a:t>double column) </a:t>
+            </a:r>
+            <a:r>
+              <a:rPr lang="en-US" dirty="0"/>
+              <a:t>containing summary and critique – </a:t>
             </a:r>
             <a:r>
               <a:rPr lang="en-US" dirty="0">
